--- a/Springer_UAV_book/Pictures/Fig9.pptx
+++ b/Springer_UAV_book/Pictures/Fig9.pptx
@@ -290,7 +290,7 @@
             <a:fld id="{CC7BA875-E63D-46CD-9D74-6CBD955FEC8C}" type="datetimeFigureOut">
               <a:rPr lang="en-US" smtClean="0"/>
               <a:pPr/>
-              <a:t>4/13/2012</a:t>
+              <a:t>4/14/2012</a:t>
             </a:fld>
             <a:endParaRPr lang="en-US"/>
           </a:p>
@@ -457,7 +457,7 @@
             <a:fld id="{CC7BA875-E63D-46CD-9D74-6CBD955FEC8C}" type="datetimeFigureOut">
               <a:rPr lang="en-US" smtClean="0"/>
               <a:pPr/>
-              <a:t>4/13/2012</a:t>
+              <a:t>4/14/2012</a:t>
             </a:fld>
             <a:endParaRPr lang="en-US"/>
           </a:p>
@@ -634,7 +634,7 @@
             <a:fld id="{CC7BA875-E63D-46CD-9D74-6CBD955FEC8C}" type="datetimeFigureOut">
               <a:rPr lang="en-US" smtClean="0"/>
               <a:pPr/>
-              <a:t>4/13/2012</a:t>
+              <a:t>4/14/2012</a:t>
             </a:fld>
             <a:endParaRPr lang="en-US"/>
           </a:p>
@@ -801,7 +801,7 @@
             <a:fld id="{CC7BA875-E63D-46CD-9D74-6CBD955FEC8C}" type="datetimeFigureOut">
               <a:rPr lang="en-US" smtClean="0"/>
               <a:pPr/>
-              <a:t>4/13/2012</a:t>
+              <a:t>4/14/2012</a:t>
             </a:fld>
             <a:endParaRPr lang="en-US"/>
           </a:p>
@@ -1044,7 +1044,7 @@
             <a:fld id="{CC7BA875-E63D-46CD-9D74-6CBD955FEC8C}" type="datetimeFigureOut">
               <a:rPr lang="en-US" smtClean="0"/>
               <a:pPr/>
-              <a:t>4/13/2012</a:t>
+              <a:t>4/14/2012</a:t>
             </a:fld>
             <a:endParaRPr lang="en-US"/>
           </a:p>
@@ -1329,7 +1329,7 @@
             <a:fld id="{CC7BA875-E63D-46CD-9D74-6CBD955FEC8C}" type="datetimeFigureOut">
               <a:rPr lang="en-US" smtClean="0"/>
               <a:pPr/>
-              <a:t>4/13/2012</a:t>
+              <a:t>4/14/2012</a:t>
             </a:fld>
             <a:endParaRPr lang="en-US"/>
           </a:p>
@@ -1748,7 +1748,7 @@
             <a:fld id="{CC7BA875-E63D-46CD-9D74-6CBD955FEC8C}" type="datetimeFigureOut">
               <a:rPr lang="en-US" smtClean="0"/>
               <a:pPr/>
-              <a:t>4/13/2012</a:t>
+              <a:t>4/14/2012</a:t>
             </a:fld>
             <a:endParaRPr lang="en-US"/>
           </a:p>
@@ -1863,7 +1863,7 @@
             <a:fld id="{CC7BA875-E63D-46CD-9D74-6CBD955FEC8C}" type="datetimeFigureOut">
               <a:rPr lang="en-US" smtClean="0"/>
               <a:pPr/>
-              <a:t>4/13/2012</a:t>
+              <a:t>4/14/2012</a:t>
             </a:fld>
             <a:endParaRPr lang="en-US"/>
           </a:p>
@@ -1955,7 +1955,7 @@
             <a:fld id="{CC7BA875-E63D-46CD-9D74-6CBD955FEC8C}" type="datetimeFigureOut">
               <a:rPr lang="en-US" smtClean="0"/>
               <a:pPr/>
-              <a:t>4/13/2012</a:t>
+              <a:t>4/14/2012</a:t>
             </a:fld>
             <a:endParaRPr lang="en-US"/>
           </a:p>
@@ -2229,7 +2229,7 @@
             <a:fld id="{CC7BA875-E63D-46CD-9D74-6CBD955FEC8C}" type="datetimeFigureOut">
               <a:rPr lang="en-US" smtClean="0"/>
               <a:pPr/>
-              <a:t>4/13/2012</a:t>
+              <a:t>4/14/2012</a:t>
             </a:fld>
             <a:endParaRPr lang="en-US"/>
           </a:p>
@@ -2479,7 +2479,7 @@
             <a:fld id="{CC7BA875-E63D-46CD-9D74-6CBD955FEC8C}" type="datetimeFigureOut">
               <a:rPr lang="en-US" smtClean="0"/>
               <a:pPr/>
-              <a:t>4/13/2012</a:t>
+              <a:t>4/14/2012</a:t>
             </a:fld>
             <a:endParaRPr lang="en-US"/>
           </a:p>
@@ -2689,7 +2689,7 @@
             <a:fld id="{CC7BA875-E63D-46CD-9D74-6CBD955FEC8C}" type="datetimeFigureOut">
               <a:rPr lang="en-US" smtClean="0"/>
               <a:pPr/>
-              <a:t>4/13/2012</a:t>
+              <a:t>4/14/2012</a:t>
             </a:fld>
             <a:endParaRPr lang="en-US"/>
           </a:p>
@@ -3102,8 +3102,8 @@
         </p:nvSpPr>
         <p:spPr bwMode="auto">
           <a:xfrm>
-            <a:off x="3952094" y="4721832"/>
-            <a:ext cx="1463862" cy="369332"/>
+            <a:off x="3666344" y="4526569"/>
+            <a:ext cx="1334020" cy="369332"/>
           </a:xfrm>
           <a:prstGeom prst="rect">
             <a:avLst/>
@@ -3127,7 +3127,13 @@
               <a:rPr lang="en-US" dirty="0" smtClean="0">
                 <a:latin typeface="Garamond" pitchFamily="18" charset="0"/>
               </a:rPr>
-              <a:t>Right aileron -</a:t>
+              <a:t>Right </a:t>
+            </a:r>
+            <a:r>
+              <a:rPr lang="en-US" dirty="0" smtClean="0">
+                <a:latin typeface="Garamond" pitchFamily="18" charset="0"/>
+              </a:rPr>
+              <a:t>aileron</a:t>
             </a:r>
             <a:endParaRPr lang="en-US" dirty="0">
               <a:latin typeface="Garamond" pitchFamily="18" charset="0"/>
@@ -3145,8 +3151,8 @@
         </p:nvSpPr>
         <p:spPr bwMode="auto">
           <a:xfrm>
-            <a:off x="1371600" y="3825874"/>
-            <a:ext cx="1076320" cy="369332"/>
+            <a:off x="1362075" y="4092574"/>
+            <a:ext cx="946478" cy="369332"/>
           </a:xfrm>
           <a:prstGeom prst="rect">
             <a:avLst/>
@@ -3170,7 +3176,7 @@
               <a:rPr lang="en-US" dirty="0" smtClean="0">
                 <a:latin typeface="Garamond" pitchFamily="18" charset="0"/>
               </a:rPr>
-              <a:t>Elevator -</a:t>
+              <a:t>Elevator</a:t>
             </a:r>
             <a:endParaRPr lang="en-US" dirty="0">
               <a:latin typeface="Garamond" pitchFamily="18" charset="0"/>
@@ -3188,8 +3194,8 @@
         </p:nvSpPr>
         <p:spPr bwMode="auto">
           <a:xfrm>
-            <a:off x="1295400" y="3152775"/>
-            <a:ext cx="970779" cy="369332"/>
+            <a:off x="976312" y="2819400"/>
+            <a:ext cx="840936" cy="369332"/>
           </a:xfrm>
           <a:prstGeom prst="rect">
             <a:avLst/>
@@ -3213,7 +3219,7 @@
               <a:rPr lang="en-US" dirty="0" smtClean="0">
                 <a:latin typeface="Garamond" pitchFamily="18" charset="0"/>
               </a:rPr>
-              <a:t>Rudder -</a:t>
+              <a:t>Rudder</a:t>
             </a:r>
             <a:endParaRPr lang="en-US" dirty="0">
               <a:latin typeface="Garamond" pitchFamily="18" charset="0"/>
@@ -3230,12 +3236,12 @@
           <p:nvPr/>
         </p:nvGraphicFramePr>
         <p:xfrm>
-          <a:off x="2390775" y="3827640"/>
-          <a:ext cx="295330" cy="410985"/>
+          <a:off x="1692275" y="4456113"/>
+          <a:ext cx="454025" cy="411162"/>
         </p:xfrm>
         <a:graphic>
           <a:graphicData uri="http://schemas.openxmlformats.org/presentationml/2006/ole">
-            <p:oleObj spid="_x0000_s1040" name="Equation" r:id="rId4" imgW="164880" imgH="228600" progId="Equation.DSMT4">
+            <p:oleObj spid="_x0000_s1040" name="Equation" r:id="rId4" imgW="253800" imgH="228600" progId="Equation.DSMT4">
               <p:embed/>
             </p:oleObj>
           </a:graphicData>
@@ -3250,12 +3256,12 @@
           <p:nvPr/>
         </p:nvGraphicFramePr>
         <p:xfrm>
-          <a:off x="2162175" y="3119059"/>
-          <a:ext cx="323850" cy="450674"/>
+          <a:off x="1031876" y="3176588"/>
+          <a:ext cx="498475" cy="450850"/>
         </p:xfrm>
         <a:graphic>
           <a:graphicData uri="http://schemas.openxmlformats.org/presentationml/2006/ole">
-            <p:oleObj spid="_x0000_s1041" name="Equation" r:id="rId5" imgW="164880" imgH="228600" progId="Equation.DSMT4">
+            <p:oleObj spid="_x0000_s1041" name="Equation" r:id="rId5" imgW="253800" imgH="228600" progId="Equation.DSMT4">
               <p:embed/>
             </p:oleObj>
           </a:graphicData>
@@ -3271,8 +3277,8 @@
         </p:nvSpPr>
         <p:spPr bwMode="auto">
           <a:xfrm>
-            <a:off x="2323319" y="2207232"/>
-            <a:ext cx="1348446" cy="369332"/>
+            <a:off x="2194732" y="1959582"/>
+            <a:ext cx="1218603" cy="369332"/>
           </a:xfrm>
           <a:prstGeom prst="rect">
             <a:avLst/>
@@ -3296,7 +3302,13 @@
               <a:rPr lang="en-US" dirty="0" smtClean="0">
                 <a:latin typeface="Garamond" pitchFamily="18" charset="0"/>
               </a:rPr>
-              <a:t>Left aileron -</a:t>
+              <a:t>Left </a:t>
+            </a:r>
+            <a:r>
+              <a:rPr lang="en-US" dirty="0" smtClean="0">
+                <a:latin typeface="Garamond" pitchFamily="18" charset="0"/>
+              </a:rPr>
+              <a:t>aileron</a:t>
             </a:r>
             <a:endParaRPr lang="en-US" dirty="0">
               <a:latin typeface="Garamond" pitchFamily="18" charset="0"/>
@@ -3313,12 +3325,12 @@
           <p:nvPr/>
         </p:nvGraphicFramePr>
         <p:xfrm>
-          <a:off x="3609976" y="2186253"/>
-          <a:ext cx="344774" cy="442647"/>
+          <a:off x="2619375" y="2400300"/>
+          <a:ext cx="517525" cy="442913"/>
         </p:xfrm>
         <a:graphic>
           <a:graphicData uri="http://schemas.openxmlformats.org/presentationml/2006/ole">
-            <p:oleObj spid="_x0000_s1042" name="Equation" r:id="rId6" imgW="177480" imgH="228600" progId="Equation.DSMT4">
+            <p:oleObj spid="_x0000_s1042" name="Equation" r:id="rId6" imgW="266400" imgH="228600" progId="Equation.DSMT4">
               <p:embed/>
             </p:oleObj>
           </a:graphicData>
@@ -3333,17 +3345,595 @@
           <p:nvPr/>
         </p:nvGraphicFramePr>
         <p:xfrm>
-          <a:off x="5334000" y="4681538"/>
-          <a:ext cx="344488" cy="442912"/>
+          <a:off x="4210050" y="4933950"/>
+          <a:ext cx="517525" cy="442912"/>
         </p:xfrm>
         <a:graphic>
           <a:graphicData uri="http://schemas.openxmlformats.org/presentationml/2006/ole">
-            <p:oleObj spid="_x0000_s1044" name="Equation" r:id="rId7" imgW="177480" imgH="228600" progId="Equation.DSMT4">
+            <p:oleObj spid="_x0000_s1044" name="Equation" r:id="rId7" imgW="266400" imgH="228600" progId="Equation.DSMT4">
               <p:embed/>
             </p:oleObj>
           </a:graphicData>
         </a:graphic>
       </p:graphicFrame>
+      <p:cxnSp>
+        <p:nvCxnSpPr>
+          <p:cNvPr id="12" name="Straight Connector 11"/>
+          <p:cNvCxnSpPr/>
+          <p:nvPr/>
+        </p:nvCxnSpPr>
+        <p:spPr>
+          <a:xfrm flipH="1">
+            <a:off x="4724401" y="4872038"/>
+            <a:ext cx="1219199" cy="457200"/>
+          </a:xfrm>
+          <a:prstGeom prst="line">
+            <a:avLst/>
+          </a:prstGeom>
+          <a:ln w="12700">
+            <a:solidFill>
+              <a:schemeClr val="tx1"/>
+            </a:solidFill>
+          </a:ln>
+        </p:spPr>
+        <p:style>
+          <a:lnRef idx="1">
+            <a:schemeClr val="accent1"/>
+          </a:lnRef>
+          <a:fillRef idx="0">
+            <a:schemeClr val="accent1"/>
+          </a:fillRef>
+          <a:effectRef idx="0">
+            <a:schemeClr val="accent1"/>
+          </a:effectRef>
+          <a:fontRef idx="minor">
+            <a:schemeClr val="tx1"/>
+          </a:fontRef>
+        </p:style>
+      </p:cxnSp>
+      <p:cxnSp>
+        <p:nvCxnSpPr>
+          <p:cNvPr id="14" name="Straight Connector 13"/>
+          <p:cNvCxnSpPr/>
+          <p:nvPr/>
+        </p:nvCxnSpPr>
+        <p:spPr>
+          <a:xfrm flipH="1">
+            <a:off x="4629150" y="4876800"/>
+            <a:ext cx="1300163" cy="71438"/>
+          </a:xfrm>
+          <a:prstGeom prst="line">
+            <a:avLst/>
+          </a:prstGeom>
+          <a:ln w="12700">
+            <a:solidFill>
+              <a:schemeClr val="tx1"/>
+            </a:solidFill>
+          </a:ln>
+        </p:spPr>
+        <p:style>
+          <a:lnRef idx="1">
+            <a:schemeClr val="accent1"/>
+          </a:lnRef>
+          <a:fillRef idx="0">
+            <a:schemeClr val="accent1"/>
+          </a:fillRef>
+          <a:effectRef idx="0">
+            <a:schemeClr val="accent1"/>
+          </a:effectRef>
+          <a:fontRef idx="minor">
+            <a:schemeClr val="tx1"/>
+          </a:fontRef>
+        </p:style>
+      </p:cxnSp>
+      <p:sp>
+        <p:nvSpPr>
+          <p:cNvPr id="17" name="Arc 16"/>
+          <p:cNvSpPr/>
+          <p:nvPr/>
+        </p:nvSpPr>
+        <p:spPr>
+          <a:xfrm>
+            <a:off x="4819650" y="4810125"/>
+            <a:ext cx="609600" cy="609600"/>
+          </a:xfrm>
+          <a:prstGeom prst="arc">
+            <a:avLst>
+              <a:gd name="adj1" fmla="val 9053328"/>
+              <a:gd name="adj2" fmla="val 12667759"/>
+            </a:avLst>
+          </a:prstGeom>
+          <a:ln w="12700">
+            <a:solidFill>
+              <a:schemeClr val="tx1"/>
+            </a:solidFill>
+            <a:tailEnd type="stealth"/>
+          </a:ln>
+        </p:spPr>
+        <p:style>
+          <a:lnRef idx="1">
+            <a:schemeClr val="accent1"/>
+          </a:lnRef>
+          <a:fillRef idx="0">
+            <a:schemeClr val="accent1"/>
+          </a:fillRef>
+          <a:effectRef idx="0">
+            <a:schemeClr val="accent1"/>
+          </a:effectRef>
+          <a:fontRef idx="minor">
+            <a:schemeClr val="tx1"/>
+          </a:fontRef>
+        </p:style>
+        <p:txBody>
+          <a:bodyPr rtlCol="0" anchor="ctr"/>
+          <a:lstStyle/>
+          <a:p>
+            <a:pPr algn="ctr"/>
+            <a:endParaRPr lang="en-US"/>
+          </a:p>
+        </p:txBody>
+      </p:sp>
+      <p:cxnSp>
+        <p:nvCxnSpPr>
+          <p:cNvPr id="18" name="Straight Connector 17"/>
+          <p:cNvCxnSpPr/>
+          <p:nvPr/>
+        </p:nvCxnSpPr>
+        <p:spPr>
+          <a:xfrm flipH="1">
+            <a:off x="2967038" y="2090737"/>
+            <a:ext cx="1266825" cy="352426"/>
+          </a:xfrm>
+          <a:prstGeom prst="line">
+            <a:avLst/>
+          </a:prstGeom>
+          <a:ln w="12700">
+            <a:solidFill>
+              <a:schemeClr val="tx1"/>
+            </a:solidFill>
+          </a:ln>
+        </p:spPr>
+        <p:style>
+          <a:lnRef idx="1">
+            <a:schemeClr val="accent1"/>
+          </a:lnRef>
+          <a:fillRef idx="0">
+            <a:schemeClr val="accent1"/>
+          </a:fillRef>
+          <a:effectRef idx="0">
+            <a:schemeClr val="accent1"/>
+          </a:effectRef>
+          <a:fontRef idx="minor">
+            <a:schemeClr val="tx1"/>
+          </a:fontRef>
+        </p:style>
+      </p:cxnSp>
+      <p:cxnSp>
+        <p:nvCxnSpPr>
+          <p:cNvPr id="19" name="Straight Connector 18"/>
+          <p:cNvCxnSpPr/>
+          <p:nvPr/>
+        </p:nvCxnSpPr>
+        <p:spPr>
+          <a:xfrm flipH="1">
+            <a:off x="3128963" y="2090738"/>
+            <a:ext cx="1109662" cy="652462"/>
+          </a:xfrm>
+          <a:prstGeom prst="line">
+            <a:avLst/>
+          </a:prstGeom>
+          <a:ln w="12700">
+            <a:solidFill>
+              <a:schemeClr val="tx1"/>
+            </a:solidFill>
+          </a:ln>
+        </p:spPr>
+        <p:style>
+          <a:lnRef idx="1">
+            <a:schemeClr val="accent1"/>
+          </a:lnRef>
+          <a:fillRef idx="0">
+            <a:schemeClr val="accent1"/>
+          </a:fillRef>
+          <a:effectRef idx="0">
+            <a:schemeClr val="accent1"/>
+          </a:effectRef>
+          <a:fontRef idx="minor">
+            <a:schemeClr val="tx1"/>
+          </a:fontRef>
+        </p:style>
+      </p:cxnSp>
+      <p:sp>
+        <p:nvSpPr>
+          <p:cNvPr id="24" name="Arc 23"/>
+          <p:cNvSpPr/>
+          <p:nvPr/>
+        </p:nvSpPr>
+        <p:spPr>
+          <a:xfrm>
+            <a:off x="3200400" y="2219325"/>
+            <a:ext cx="609600" cy="609600"/>
+          </a:xfrm>
+          <a:prstGeom prst="arc">
+            <a:avLst>
+              <a:gd name="adj1" fmla="val 9053328"/>
+              <a:gd name="adj2" fmla="val 12667759"/>
+            </a:avLst>
+          </a:prstGeom>
+          <a:ln w="12700">
+            <a:solidFill>
+              <a:schemeClr val="tx1"/>
+            </a:solidFill>
+            <a:headEnd type="stealth"/>
+            <a:tailEnd type="none"/>
+          </a:ln>
+        </p:spPr>
+        <p:style>
+          <a:lnRef idx="1">
+            <a:schemeClr val="accent1"/>
+          </a:lnRef>
+          <a:fillRef idx="0">
+            <a:schemeClr val="accent1"/>
+          </a:fillRef>
+          <a:effectRef idx="0">
+            <a:schemeClr val="accent1"/>
+          </a:effectRef>
+          <a:fontRef idx="minor">
+            <a:schemeClr val="tx1"/>
+          </a:fontRef>
+        </p:style>
+        <p:txBody>
+          <a:bodyPr rtlCol="0" anchor="ctr"/>
+          <a:lstStyle/>
+          <a:p>
+            <a:pPr algn="ctr"/>
+            <a:endParaRPr lang="en-US"/>
+          </a:p>
+        </p:txBody>
+      </p:sp>
+      <p:cxnSp>
+        <p:nvCxnSpPr>
+          <p:cNvPr id="25" name="Straight Connector 24"/>
+          <p:cNvCxnSpPr/>
+          <p:nvPr/>
+        </p:nvCxnSpPr>
+        <p:spPr>
+          <a:xfrm flipH="1">
+            <a:off x="1966913" y="4143375"/>
+            <a:ext cx="1266825" cy="352426"/>
+          </a:xfrm>
+          <a:prstGeom prst="line">
+            <a:avLst/>
+          </a:prstGeom>
+          <a:ln w="12700">
+            <a:solidFill>
+              <a:schemeClr val="tx1"/>
+            </a:solidFill>
+          </a:ln>
+        </p:spPr>
+        <p:style>
+          <a:lnRef idx="1">
+            <a:schemeClr val="accent1"/>
+          </a:lnRef>
+          <a:fillRef idx="0">
+            <a:schemeClr val="accent1"/>
+          </a:fillRef>
+          <a:effectRef idx="0">
+            <a:schemeClr val="accent1"/>
+          </a:effectRef>
+          <a:fontRef idx="minor">
+            <a:schemeClr val="tx1"/>
+          </a:fontRef>
+        </p:style>
+      </p:cxnSp>
+      <p:cxnSp>
+        <p:nvCxnSpPr>
+          <p:cNvPr id="26" name="Straight Connector 25"/>
+          <p:cNvCxnSpPr/>
+          <p:nvPr/>
+        </p:nvCxnSpPr>
+        <p:spPr>
+          <a:xfrm flipH="1">
+            <a:off x="2128838" y="4143376"/>
+            <a:ext cx="1109662" cy="652462"/>
+          </a:xfrm>
+          <a:prstGeom prst="line">
+            <a:avLst/>
+          </a:prstGeom>
+          <a:ln w="12700">
+            <a:solidFill>
+              <a:schemeClr val="tx1"/>
+            </a:solidFill>
+          </a:ln>
+        </p:spPr>
+        <p:style>
+          <a:lnRef idx="1">
+            <a:schemeClr val="accent1"/>
+          </a:lnRef>
+          <a:fillRef idx="0">
+            <a:schemeClr val="accent1"/>
+          </a:fillRef>
+          <a:effectRef idx="0">
+            <a:schemeClr val="accent1"/>
+          </a:effectRef>
+          <a:fontRef idx="minor">
+            <a:schemeClr val="tx1"/>
+          </a:fontRef>
+        </p:style>
+      </p:cxnSp>
+      <p:sp>
+        <p:nvSpPr>
+          <p:cNvPr id="27" name="Arc 26"/>
+          <p:cNvSpPr/>
+          <p:nvPr/>
+        </p:nvSpPr>
+        <p:spPr>
+          <a:xfrm>
+            <a:off x="2200275" y="4271963"/>
+            <a:ext cx="609600" cy="609600"/>
+          </a:xfrm>
+          <a:prstGeom prst="arc">
+            <a:avLst>
+              <a:gd name="adj1" fmla="val 9053328"/>
+              <a:gd name="adj2" fmla="val 12667759"/>
+            </a:avLst>
+          </a:prstGeom>
+          <a:ln w="12700">
+            <a:solidFill>
+              <a:schemeClr val="tx1"/>
+            </a:solidFill>
+            <a:headEnd type="stealth"/>
+            <a:tailEnd type="none"/>
+          </a:ln>
+        </p:spPr>
+        <p:style>
+          <a:lnRef idx="1">
+            <a:schemeClr val="accent1"/>
+          </a:lnRef>
+          <a:fillRef idx="0">
+            <a:schemeClr val="accent1"/>
+          </a:fillRef>
+          <a:effectRef idx="0">
+            <a:schemeClr val="accent1"/>
+          </a:effectRef>
+          <a:fontRef idx="minor">
+            <a:schemeClr val="tx1"/>
+          </a:fontRef>
+        </p:style>
+        <p:txBody>
+          <a:bodyPr rtlCol="0" anchor="ctr"/>
+          <a:lstStyle/>
+          <a:p>
+            <a:pPr algn="ctr"/>
+            <a:endParaRPr lang="en-US"/>
+          </a:p>
+        </p:txBody>
+      </p:sp>
+      <p:cxnSp>
+        <p:nvCxnSpPr>
+          <p:cNvPr id="29" name="Straight Connector 28"/>
+          <p:cNvCxnSpPr/>
+          <p:nvPr/>
+        </p:nvCxnSpPr>
+        <p:spPr>
+          <a:xfrm flipH="1">
+            <a:off x="1514475" y="3157538"/>
+            <a:ext cx="1247777" cy="390525"/>
+          </a:xfrm>
+          <a:prstGeom prst="line">
+            <a:avLst/>
+          </a:prstGeom>
+          <a:ln w="12700">
+            <a:solidFill>
+              <a:schemeClr val="tx1"/>
+            </a:solidFill>
+          </a:ln>
+        </p:spPr>
+        <p:style>
+          <a:lnRef idx="1">
+            <a:schemeClr val="accent1"/>
+          </a:lnRef>
+          <a:fillRef idx="0">
+            <a:schemeClr val="accent1"/>
+          </a:fillRef>
+          <a:effectRef idx="0">
+            <a:schemeClr val="accent1"/>
+          </a:effectRef>
+          <a:fontRef idx="minor">
+            <a:schemeClr val="tx1"/>
+          </a:fontRef>
+        </p:style>
+      </p:cxnSp>
+      <p:cxnSp>
+        <p:nvCxnSpPr>
+          <p:cNvPr id="30" name="Straight Connector 29"/>
+          <p:cNvCxnSpPr/>
+          <p:nvPr/>
+        </p:nvCxnSpPr>
+        <p:spPr>
+          <a:xfrm flipH="1">
+            <a:off x="1476375" y="3152775"/>
+            <a:ext cx="1300163" cy="71438"/>
+          </a:xfrm>
+          <a:prstGeom prst="line">
+            <a:avLst/>
+          </a:prstGeom>
+          <a:ln w="12700">
+            <a:solidFill>
+              <a:schemeClr val="tx1"/>
+            </a:solidFill>
+          </a:ln>
+        </p:spPr>
+        <p:style>
+          <a:lnRef idx="1">
+            <a:schemeClr val="accent1"/>
+          </a:lnRef>
+          <a:fillRef idx="0">
+            <a:schemeClr val="accent1"/>
+          </a:fillRef>
+          <a:effectRef idx="0">
+            <a:schemeClr val="accent1"/>
+          </a:effectRef>
+          <a:fontRef idx="minor">
+            <a:schemeClr val="tx1"/>
+          </a:fontRef>
+        </p:style>
+      </p:cxnSp>
+      <p:sp>
+        <p:nvSpPr>
+          <p:cNvPr id="31" name="Arc 30"/>
+          <p:cNvSpPr/>
+          <p:nvPr/>
+        </p:nvSpPr>
+        <p:spPr>
+          <a:xfrm>
+            <a:off x="1600200" y="3047999"/>
+            <a:ext cx="609600" cy="609600"/>
+          </a:xfrm>
+          <a:prstGeom prst="arc">
+            <a:avLst>
+              <a:gd name="adj1" fmla="val 9053328"/>
+              <a:gd name="adj2" fmla="val 12306879"/>
+            </a:avLst>
+          </a:prstGeom>
+          <a:ln w="12700">
+            <a:solidFill>
+              <a:schemeClr val="tx1"/>
+            </a:solidFill>
+            <a:tailEnd type="stealth"/>
+          </a:ln>
+        </p:spPr>
+        <p:style>
+          <a:lnRef idx="1">
+            <a:schemeClr val="accent1"/>
+          </a:lnRef>
+          <a:fillRef idx="0">
+            <a:schemeClr val="accent1"/>
+          </a:fillRef>
+          <a:effectRef idx="0">
+            <a:schemeClr val="accent1"/>
+          </a:effectRef>
+          <a:fontRef idx="minor">
+            <a:schemeClr val="tx1"/>
+          </a:fontRef>
+        </p:style>
+        <p:txBody>
+          <a:bodyPr rtlCol="0" anchor="ctr"/>
+          <a:lstStyle/>
+          <a:p>
+            <a:pPr algn="ctr"/>
+            <a:endParaRPr lang="en-US"/>
+          </a:p>
+        </p:txBody>
+      </p:sp>
+      <p:cxnSp>
+        <p:nvCxnSpPr>
+          <p:cNvPr id="37" name="Straight Connector 36"/>
+          <p:cNvCxnSpPr/>
+          <p:nvPr/>
+        </p:nvCxnSpPr>
+        <p:spPr>
+          <a:xfrm>
+            <a:off x="3038475" y="3514725"/>
+            <a:ext cx="195264" cy="623889"/>
+          </a:xfrm>
+          <a:prstGeom prst="line">
+            <a:avLst/>
+          </a:prstGeom>
+          <a:ln w="12700">
+            <a:solidFill>
+              <a:schemeClr val="tx1"/>
+            </a:solidFill>
+            <a:prstDash val="dash"/>
+          </a:ln>
+        </p:spPr>
+        <p:style>
+          <a:lnRef idx="1">
+            <a:schemeClr val="accent1"/>
+          </a:lnRef>
+          <a:fillRef idx="0">
+            <a:schemeClr val="accent1"/>
+          </a:fillRef>
+          <a:effectRef idx="0">
+            <a:schemeClr val="accent1"/>
+          </a:effectRef>
+          <a:fontRef idx="minor">
+            <a:schemeClr val="tx1"/>
+          </a:fontRef>
+        </p:style>
+      </p:cxnSp>
+      <p:cxnSp>
+        <p:nvCxnSpPr>
+          <p:cNvPr id="41" name="Straight Connector 40"/>
+          <p:cNvCxnSpPr/>
+          <p:nvPr/>
+        </p:nvCxnSpPr>
+        <p:spPr>
+          <a:xfrm>
+            <a:off x="2862262" y="2957512"/>
+            <a:ext cx="57151" cy="185738"/>
+          </a:xfrm>
+          <a:prstGeom prst="line">
+            <a:avLst/>
+          </a:prstGeom>
+          <a:ln w="12700">
+            <a:solidFill>
+              <a:schemeClr val="tx1"/>
+            </a:solidFill>
+            <a:prstDash val="dash"/>
+          </a:ln>
+        </p:spPr>
+        <p:style>
+          <a:lnRef idx="1">
+            <a:schemeClr val="accent1"/>
+          </a:lnRef>
+          <a:fillRef idx="0">
+            <a:schemeClr val="accent1"/>
+          </a:fillRef>
+          <a:effectRef idx="0">
+            <a:schemeClr val="accent1"/>
+          </a:effectRef>
+          <a:fontRef idx="minor">
+            <a:schemeClr val="tx1"/>
+          </a:fontRef>
+        </p:style>
+      </p:cxnSp>
+      <p:cxnSp>
+        <p:nvCxnSpPr>
+          <p:cNvPr id="43" name="Straight Connector 42"/>
+          <p:cNvCxnSpPr/>
+          <p:nvPr/>
+        </p:nvCxnSpPr>
+        <p:spPr>
+          <a:xfrm>
+            <a:off x="2790825" y="3152775"/>
+            <a:ext cx="142875" cy="390525"/>
+          </a:xfrm>
+          <a:prstGeom prst="line">
+            <a:avLst/>
+          </a:prstGeom>
+          <a:ln w="12700">
+            <a:solidFill>
+              <a:schemeClr val="tx1"/>
+            </a:solidFill>
+            <a:prstDash val="dash"/>
+          </a:ln>
+        </p:spPr>
+        <p:style>
+          <a:lnRef idx="1">
+            <a:schemeClr val="accent1"/>
+          </a:lnRef>
+          <a:fillRef idx="0">
+            <a:schemeClr val="accent1"/>
+          </a:fillRef>
+          <a:effectRef idx="0">
+            <a:schemeClr val="accent1"/>
+          </a:effectRef>
+          <a:fontRef idx="minor">
+            <a:schemeClr val="tx1"/>
+          </a:fontRef>
+        </p:style>
+      </p:cxnSp>
     </p:spTree>
   </p:cSld>
   <p:clrMapOvr>

--- a/Springer_UAV_book/Pictures/Fig9.pptx
+++ b/Springer_UAV_book/Pictures/Fig9.pptx
@@ -6,7 +6,6 @@
   </p:sldMasterIdLst>
   <p:sldIdLst>
     <p:sldId id="257" r:id="rId2"/>
-    <p:sldId id="258" r:id="rId3"/>
   </p:sldIdLst>
   <p:sldSz cx="9144000" cy="6858000" type="screen4x3"/>
   <p:notesSz cx="6858000" cy="9144000"/>
@@ -290,7 +289,7 @@
             <a:fld id="{CC7BA875-E63D-46CD-9D74-6CBD955FEC8C}" type="datetimeFigureOut">
               <a:rPr lang="en-US" smtClean="0"/>
               <a:pPr/>
-              <a:t>4/14/2012</a:t>
+              <a:t>4/16/2012</a:t>
             </a:fld>
             <a:endParaRPr lang="en-US"/>
           </a:p>
@@ -457,7 +456,7 @@
             <a:fld id="{CC7BA875-E63D-46CD-9D74-6CBD955FEC8C}" type="datetimeFigureOut">
               <a:rPr lang="en-US" smtClean="0"/>
               <a:pPr/>
-              <a:t>4/14/2012</a:t>
+              <a:t>4/16/2012</a:t>
             </a:fld>
             <a:endParaRPr lang="en-US"/>
           </a:p>
@@ -634,7 +633,7 @@
             <a:fld id="{CC7BA875-E63D-46CD-9D74-6CBD955FEC8C}" type="datetimeFigureOut">
               <a:rPr lang="en-US" smtClean="0"/>
               <a:pPr/>
-              <a:t>4/14/2012</a:t>
+              <a:t>4/16/2012</a:t>
             </a:fld>
             <a:endParaRPr lang="en-US"/>
           </a:p>
@@ -801,7 +800,7 @@
             <a:fld id="{CC7BA875-E63D-46CD-9D74-6CBD955FEC8C}" type="datetimeFigureOut">
               <a:rPr lang="en-US" smtClean="0"/>
               <a:pPr/>
-              <a:t>4/14/2012</a:t>
+              <a:t>4/16/2012</a:t>
             </a:fld>
             <a:endParaRPr lang="en-US"/>
           </a:p>
@@ -1044,7 +1043,7 @@
             <a:fld id="{CC7BA875-E63D-46CD-9D74-6CBD955FEC8C}" type="datetimeFigureOut">
               <a:rPr lang="en-US" smtClean="0"/>
               <a:pPr/>
-              <a:t>4/14/2012</a:t>
+              <a:t>4/16/2012</a:t>
             </a:fld>
             <a:endParaRPr lang="en-US"/>
           </a:p>
@@ -1329,7 +1328,7 @@
             <a:fld id="{CC7BA875-E63D-46CD-9D74-6CBD955FEC8C}" type="datetimeFigureOut">
               <a:rPr lang="en-US" smtClean="0"/>
               <a:pPr/>
-              <a:t>4/14/2012</a:t>
+              <a:t>4/16/2012</a:t>
             </a:fld>
             <a:endParaRPr lang="en-US"/>
           </a:p>
@@ -1748,7 +1747,7 @@
             <a:fld id="{CC7BA875-E63D-46CD-9D74-6CBD955FEC8C}" type="datetimeFigureOut">
               <a:rPr lang="en-US" smtClean="0"/>
               <a:pPr/>
-              <a:t>4/14/2012</a:t>
+              <a:t>4/16/2012</a:t>
             </a:fld>
             <a:endParaRPr lang="en-US"/>
           </a:p>
@@ -1863,7 +1862,7 @@
             <a:fld id="{CC7BA875-E63D-46CD-9D74-6CBD955FEC8C}" type="datetimeFigureOut">
               <a:rPr lang="en-US" smtClean="0"/>
               <a:pPr/>
-              <a:t>4/14/2012</a:t>
+              <a:t>4/16/2012</a:t>
             </a:fld>
             <a:endParaRPr lang="en-US"/>
           </a:p>
@@ -1955,7 +1954,7 @@
             <a:fld id="{CC7BA875-E63D-46CD-9D74-6CBD955FEC8C}" type="datetimeFigureOut">
               <a:rPr lang="en-US" smtClean="0"/>
               <a:pPr/>
-              <a:t>4/14/2012</a:t>
+              <a:t>4/16/2012</a:t>
             </a:fld>
             <a:endParaRPr lang="en-US"/>
           </a:p>
@@ -2229,7 +2228,7 @@
             <a:fld id="{CC7BA875-E63D-46CD-9D74-6CBD955FEC8C}" type="datetimeFigureOut">
               <a:rPr lang="en-US" smtClean="0"/>
               <a:pPr/>
-              <a:t>4/14/2012</a:t>
+              <a:t>4/16/2012</a:t>
             </a:fld>
             <a:endParaRPr lang="en-US"/>
           </a:p>
@@ -2479,7 +2478,7 @@
             <a:fld id="{CC7BA875-E63D-46CD-9D74-6CBD955FEC8C}" type="datetimeFigureOut">
               <a:rPr lang="en-US" smtClean="0"/>
               <a:pPr/>
-              <a:t>4/14/2012</a:t>
+              <a:t>4/16/2012</a:t>
             </a:fld>
             <a:endParaRPr lang="en-US"/>
           </a:p>
@@ -2689,7 +2688,7 @@
             <a:fld id="{CC7BA875-E63D-46CD-9D74-6CBD955FEC8C}" type="datetimeFigureOut">
               <a:rPr lang="en-US" smtClean="0"/>
               <a:pPr/>
-              <a:t>4/14/2012</a:t>
+              <a:t>4/16/2012</a:t>
             </a:fld>
             <a:endParaRPr lang="en-US"/>
           </a:p>
@@ -3127,13 +3126,7 @@
               <a:rPr lang="en-US" dirty="0" smtClean="0">
                 <a:latin typeface="Garamond" pitchFamily="18" charset="0"/>
               </a:rPr>
-              <a:t>Right </a:t>
-            </a:r>
-            <a:r>
-              <a:rPr lang="en-US" dirty="0" smtClean="0">
-                <a:latin typeface="Garamond" pitchFamily="18" charset="0"/>
-              </a:rPr>
-              <a:t>aileron</a:t>
+              <a:t>Right aileron</a:t>
             </a:r>
             <a:endParaRPr lang="en-US" dirty="0">
               <a:latin typeface="Garamond" pitchFamily="18" charset="0"/>
@@ -3302,13 +3295,7 @@
               <a:rPr lang="en-US" dirty="0" smtClean="0">
                 <a:latin typeface="Garamond" pitchFamily="18" charset="0"/>
               </a:rPr>
-              <a:t>Left </a:t>
-            </a:r>
-            <a:r>
-              <a:rPr lang="en-US" dirty="0" smtClean="0">
-                <a:latin typeface="Garamond" pitchFamily="18" charset="0"/>
-              </a:rPr>
-              <a:t>aileron</a:t>
+              <a:t>Left aileron</a:t>
             </a:r>
             <a:endParaRPr lang="en-US" dirty="0">
               <a:latin typeface="Garamond" pitchFamily="18" charset="0"/>
@@ -3934,322 +3921,6 @@
           </a:fontRef>
         </p:style>
       </p:cxnSp>
-    </p:spTree>
-  </p:cSld>
-  <p:clrMapOvr>
-    <a:masterClrMapping/>
-  </p:clrMapOvr>
-  <p:timing>
-    <p:tnLst>
-      <p:par>
-        <p:cTn id="1" dur="indefinite" restart="never" nodeType="tmRoot"/>
-      </p:par>
-    </p:tnLst>
-  </p:timing>
-</p:sld>
-</file>
-
-<file path=ppt/slides/slide2.xml><?xml version="1.0" encoding="utf-8"?>
-<p:sld xmlns:a="http://schemas.openxmlformats.org/drawingml/2006/main" xmlns:r="http://schemas.openxmlformats.org/officeDocument/2006/relationships" xmlns:p="http://schemas.openxmlformats.org/presentationml/2006/main">
-  <p:cSld>
-    <p:spTree>
-      <p:nvGrpSpPr>
-        <p:cNvPr id="1" name=""/>
-        <p:cNvGrpSpPr/>
-        <p:nvPr/>
-      </p:nvGrpSpPr>
-      <p:grpSpPr>
-        <a:xfrm>
-          <a:off x="0" y="0"/>
-          <a:ext cx="0" cy="0"/>
-          <a:chOff x="0" y="0"/>
-          <a:chExt cx="0" cy="0"/>
-        </a:xfrm>
-      </p:grpSpPr>
-      <p:pic>
-        <p:nvPicPr>
-          <p:cNvPr id="14348" name="Picture 12"/>
-          <p:cNvPicPr>
-            <a:picLocks noChangeAspect="1" noChangeArrowheads="1"/>
-          </p:cNvPicPr>
-          <p:nvPr/>
-        </p:nvPicPr>
-        <p:blipFill>
-          <a:blip r:embed="rId3" cstate="print"/>
-          <a:srcRect/>
-          <a:stretch>
-            <a:fillRect/>
-          </a:stretch>
-        </p:blipFill>
-        <p:spPr bwMode="auto">
-          <a:xfrm>
-            <a:off x="2066925" y="1895475"/>
-            <a:ext cx="6286500" cy="4381500"/>
-          </a:xfrm>
-          <a:prstGeom prst="rect">
-            <a:avLst/>
-          </a:prstGeom>
-          <a:noFill/>
-          <a:ln w="9525">
-            <a:noFill/>
-            <a:miter lim="800000"/>
-            <a:headEnd/>
-            <a:tailEnd/>
-          </a:ln>
-        </p:spPr>
-      </p:pic>
-      <p:sp>
-        <p:nvSpPr>
-          <p:cNvPr id="27" name="Text Box 69"/>
-          <p:cNvSpPr txBox="1">
-            <a:spLocks noChangeArrowheads="1"/>
-          </p:cNvSpPr>
-          <p:nvPr/>
-        </p:nvSpPr>
-        <p:spPr bwMode="auto">
-          <a:xfrm rot="19621008">
-            <a:off x="2447144" y="4464657"/>
-            <a:ext cx="1334020" cy="369332"/>
-          </a:xfrm>
-          <a:prstGeom prst="rect">
-            <a:avLst/>
-          </a:prstGeom>
-          <a:noFill/>
-          <a:ln w="9525">
-            <a:noFill/>
-            <a:miter lim="800000"/>
-            <a:headEnd/>
-            <a:tailEnd/>
-          </a:ln>
-          <a:effectLst/>
-        </p:spPr>
-        <p:txBody>
-          <a:bodyPr wrap="none">
-            <a:spAutoFit/>
-          </a:bodyPr>
-          <a:lstStyle/>
-          <a:p>
-            <a:r>
-              <a:rPr lang="en-US" dirty="0" smtClean="0">
-                <a:latin typeface="Garamond" pitchFamily="18" charset="0"/>
-              </a:rPr>
-              <a:t>Right aileron</a:t>
-            </a:r>
-            <a:endParaRPr lang="en-US" dirty="0">
-              <a:latin typeface="Garamond" pitchFamily="18" charset="0"/>
-            </a:endParaRPr>
-          </a:p>
-        </p:txBody>
-      </p:sp>
-      <p:graphicFrame>
-        <p:nvGraphicFramePr>
-          <p:cNvPr id="1032" name="Object 2"/>
-          <p:cNvGraphicFramePr>
-            <a:graphicFrameLocks noChangeAspect="1"/>
-          </p:cNvGraphicFramePr>
-          <p:nvPr/>
-        </p:nvGraphicFramePr>
-        <p:xfrm>
-          <a:off x="2133600" y="4662753"/>
-          <a:ext cx="390525" cy="501386"/>
-        </p:xfrm>
-        <a:graphic>
-          <a:graphicData uri="http://schemas.openxmlformats.org/presentationml/2006/ole">
-            <p:oleObj spid="_x0000_s14342" name="Equation" r:id="rId4" imgW="177480" imgH="228600" progId="Equation.DSMT4">
-              <p:embed/>
-            </p:oleObj>
-          </a:graphicData>
-        </a:graphic>
-      </p:graphicFrame>
-      <p:sp>
-        <p:nvSpPr>
-          <p:cNvPr id="30" name="Text Box 69"/>
-          <p:cNvSpPr txBox="1">
-            <a:spLocks noChangeArrowheads="1"/>
-          </p:cNvSpPr>
-          <p:nvPr/>
-        </p:nvSpPr>
-        <p:spPr bwMode="auto">
-          <a:xfrm rot="20422412">
-            <a:off x="5955643" y="2702531"/>
-            <a:ext cx="1218603" cy="369332"/>
-          </a:xfrm>
-          <a:prstGeom prst="rect">
-            <a:avLst/>
-          </a:prstGeom>
-          <a:noFill/>
-          <a:ln w="9525">
-            <a:noFill/>
-            <a:miter lim="800000"/>
-            <a:headEnd/>
-            <a:tailEnd/>
-          </a:ln>
-          <a:effectLst/>
-        </p:spPr>
-        <p:txBody>
-          <a:bodyPr wrap="none">
-            <a:spAutoFit/>
-          </a:bodyPr>
-          <a:lstStyle/>
-          <a:p>
-            <a:r>
-              <a:rPr lang="en-US" dirty="0" smtClean="0">
-                <a:latin typeface="Garamond" pitchFamily="18" charset="0"/>
-              </a:rPr>
-              <a:t>Left aileron</a:t>
-            </a:r>
-            <a:endParaRPr lang="en-US" dirty="0">
-              <a:latin typeface="Garamond" pitchFamily="18" charset="0"/>
-            </a:endParaRPr>
-          </a:p>
-        </p:txBody>
-      </p:sp>
-      <p:sp>
-        <p:nvSpPr>
-          <p:cNvPr id="31" name="Text Box 69"/>
-          <p:cNvSpPr txBox="1">
-            <a:spLocks noChangeArrowheads="1"/>
-          </p:cNvSpPr>
-          <p:nvPr/>
-        </p:nvSpPr>
-        <p:spPr bwMode="auto">
-          <a:xfrm rot="20370461">
-            <a:off x="2956060" y="2407256"/>
-            <a:ext cx="946478" cy="369332"/>
-          </a:xfrm>
-          <a:prstGeom prst="rect">
-            <a:avLst/>
-          </a:prstGeom>
-          <a:noFill/>
-          <a:ln w="9525">
-            <a:noFill/>
-            <a:miter lim="800000"/>
-            <a:headEnd/>
-            <a:tailEnd/>
-          </a:ln>
-          <a:effectLst/>
-        </p:spPr>
-        <p:txBody>
-          <a:bodyPr wrap="none">
-            <a:spAutoFit/>
-          </a:bodyPr>
-          <a:lstStyle/>
-          <a:p>
-            <a:r>
-              <a:rPr lang="en-US" dirty="0" smtClean="0">
-                <a:latin typeface="Garamond" pitchFamily="18" charset="0"/>
-              </a:rPr>
-              <a:t>Elevator</a:t>
-            </a:r>
-            <a:endParaRPr lang="en-US" dirty="0">
-              <a:latin typeface="Garamond" pitchFamily="18" charset="0"/>
-            </a:endParaRPr>
-          </a:p>
-        </p:txBody>
-      </p:sp>
-      <p:sp>
-        <p:nvSpPr>
-          <p:cNvPr id="32" name="Text Box 69"/>
-          <p:cNvSpPr txBox="1">
-            <a:spLocks noChangeArrowheads="1"/>
-          </p:cNvSpPr>
-          <p:nvPr/>
-        </p:nvSpPr>
-        <p:spPr bwMode="auto">
-          <a:xfrm>
-            <a:off x="3763605" y="1637933"/>
-            <a:ext cx="840936" cy="369332"/>
-          </a:xfrm>
-          <a:prstGeom prst="rect">
-            <a:avLst/>
-          </a:prstGeom>
-          <a:noFill/>
-          <a:ln w="9525">
-            <a:noFill/>
-            <a:miter lim="800000"/>
-            <a:headEnd/>
-            <a:tailEnd/>
-          </a:ln>
-          <a:effectLst/>
-        </p:spPr>
-        <p:txBody>
-          <a:bodyPr wrap="none">
-            <a:spAutoFit/>
-          </a:bodyPr>
-          <a:lstStyle/>
-          <a:p>
-            <a:r>
-              <a:rPr lang="en-US" dirty="0" smtClean="0">
-                <a:latin typeface="Garamond" pitchFamily="18" charset="0"/>
-              </a:rPr>
-              <a:t>Rudder</a:t>
-            </a:r>
-            <a:endParaRPr lang="en-US" dirty="0">
-              <a:latin typeface="Garamond" pitchFamily="18" charset="0"/>
-            </a:endParaRPr>
-          </a:p>
-        </p:txBody>
-      </p:sp>
-      <p:graphicFrame>
-        <p:nvGraphicFramePr>
-          <p:cNvPr id="14349" name="Object 8"/>
-          <p:cNvGraphicFramePr>
-            <a:graphicFrameLocks noChangeAspect="1"/>
-          </p:cNvGraphicFramePr>
-          <p:nvPr/>
-        </p:nvGraphicFramePr>
-        <p:xfrm>
-          <a:off x="7135813" y="2295526"/>
-          <a:ext cx="342508" cy="439738"/>
-        </p:xfrm>
-        <a:graphic>
-          <a:graphicData uri="http://schemas.openxmlformats.org/presentationml/2006/ole">
-            <p:oleObj spid="_x0000_s14349" name="Equation" r:id="rId5" imgW="177480" imgH="228600" progId="Equation.DSMT4">
-              <p:embed/>
-            </p:oleObj>
-          </a:graphicData>
-        </a:graphic>
-      </p:graphicFrame>
-      <p:graphicFrame>
-        <p:nvGraphicFramePr>
-          <p:cNvPr id="14350" name="Object 8"/>
-          <p:cNvGraphicFramePr>
-            <a:graphicFrameLocks noChangeAspect="1"/>
-          </p:cNvGraphicFramePr>
-          <p:nvPr/>
-        </p:nvGraphicFramePr>
-        <p:xfrm>
-          <a:off x="2628900" y="2503665"/>
-          <a:ext cx="323850" cy="450674"/>
-        </p:xfrm>
-        <a:graphic>
-          <a:graphicData uri="http://schemas.openxmlformats.org/presentationml/2006/ole">
-            <p:oleObj spid="_x0000_s14350" name="Equation" r:id="rId6" imgW="164880" imgH="228600" progId="Equation.DSMT4">
-              <p:embed/>
-            </p:oleObj>
-          </a:graphicData>
-        </a:graphic>
-      </p:graphicFrame>
-      <p:graphicFrame>
-        <p:nvGraphicFramePr>
-          <p:cNvPr id="14351" name="Object 8"/>
-          <p:cNvGraphicFramePr>
-            <a:graphicFrameLocks noChangeAspect="1"/>
-          </p:cNvGraphicFramePr>
-          <p:nvPr/>
-        </p:nvGraphicFramePr>
-        <p:xfrm>
-          <a:off x="3381375" y="1518859"/>
-          <a:ext cx="333375" cy="463929"/>
-        </p:xfrm>
-        <a:graphic>
-          <a:graphicData uri="http://schemas.openxmlformats.org/presentationml/2006/ole">
-            <p:oleObj spid="_x0000_s14351" name="Equation" r:id="rId7" imgW="164880" imgH="228600" progId="Equation.DSMT4">
-              <p:embed/>
-            </p:oleObj>
-          </a:graphicData>
-        </a:graphic>
-      </p:graphicFrame>
     </p:spTree>
   </p:cSld>
   <p:clrMapOvr>
